--- a/Threading & MultiThreading.pptx
+++ b/Threading & MultiThreading.pptx
@@ -276,7 +276,7 @@
           <a:p>
             <a:fld id="{6EDC4583-61EB-4E53-8604-F63430C39EC9}" type="datetimeFigureOut">
               <a:rPr lang="en-IN" smtClean="0"/>
-              <a:t>16-04-2024</a:t>
+              <a:t>17-04-2024</a:t>
             </a:fld>
             <a:endParaRPr lang="en-IN" dirty="0"/>
           </a:p>
@@ -476,7 +476,7 @@
           <a:p>
             <a:fld id="{6EDC4583-61EB-4E53-8604-F63430C39EC9}" type="datetimeFigureOut">
               <a:rPr lang="en-IN" smtClean="0"/>
-              <a:t>16-04-2024</a:t>
+              <a:t>17-04-2024</a:t>
             </a:fld>
             <a:endParaRPr lang="en-IN" dirty="0"/>
           </a:p>
@@ -686,7 +686,7 @@
           <a:p>
             <a:fld id="{6EDC4583-61EB-4E53-8604-F63430C39EC9}" type="datetimeFigureOut">
               <a:rPr lang="en-IN" smtClean="0"/>
-              <a:t>16-04-2024</a:t>
+              <a:t>17-04-2024</a:t>
             </a:fld>
             <a:endParaRPr lang="en-IN" dirty="0"/>
           </a:p>
@@ -886,7 +886,7 @@
           <a:p>
             <a:fld id="{6EDC4583-61EB-4E53-8604-F63430C39EC9}" type="datetimeFigureOut">
               <a:rPr lang="en-IN" smtClean="0"/>
-              <a:t>16-04-2024</a:t>
+              <a:t>17-04-2024</a:t>
             </a:fld>
             <a:endParaRPr lang="en-IN" dirty="0"/>
           </a:p>
@@ -1162,7 +1162,7 @@
           <a:p>
             <a:fld id="{6EDC4583-61EB-4E53-8604-F63430C39EC9}" type="datetimeFigureOut">
               <a:rPr lang="en-IN" smtClean="0"/>
-              <a:t>16-04-2024</a:t>
+              <a:t>17-04-2024</a:t>
             </a:fld>
             <a:endParaRPr lang="en-IN" dirty="0"/>
           </a:p>
@@ -1430,7 +1430,7 @@
           <a:p>
             <a:fld id="{6EDC4583-61EB-4E53-8604-F63430C39EC9}" type="datetimeFigureOut">
               <a:rPr lang="en-IN" smtClean="0"/>
-              <a:t>16-04-2024</a:t>
+              <a:t>17-04-2024</a:t>
             </a:fld>
             <a:endParaRPr lang="en-IN" dirty="0"/>
           </a:p>
@@ -1845,7 +1845,7 @@
           <a:p>
             <a:fld id="{6EDC4583-61EB-4E53-8604-F63430C39EC9}" type="datetimeFigureOut">
               <a:rPr lang="en-IN" smtClean="0"/>
-              <a:t>16-04-2024</a:t>
+              <a:t>17-04-2024</a:t>
             </a:fld>
             <a:endParaRPr lang="en-IN" dirty="0"/>
           </a:p>
@@ -1987,7 +1987,7 @@
           <a:p>
             <a:fld id="{6EDC4583-61EB-4E53-8604-F63430C39EC9}" type="datetimeFigureOut">
               <a:rPr lang="en-IN" smtClean="0"/>
-              <a:t>16-04-2024</a:t>
+              <a:t>17-04-2024</a:t>
             </a:fld>
             <a:endParaRPr lang="en-IN" dirty="0"/>
           </a:p>
@@ -2100,7 +2100,7 @@
           <a:p>
             <a:fld id="{6EDC4583-61EB-4E53-8604-F63430C39EC9}" type="datetimeFigureOut">
               <a:rPr lang="en-IN" smtClean="0"/>
-              <a:t>16-04-2024</a:t>
+              <a:t>17-04-2024</a:t>
             </a:fld>
             <a:endParaRPr lang="en-IN" dirty="0"/>
           </a:p>
@@ -2413,7 +2413,7 @@
           <a:p>
             <a:fld id="{6EDC4583-61EB-4E53-8604-F63430C39EC9}" type="datetimeFigureOut">
               <a:rPr lang="en-IN" smtClean="0"/>
-              <a:t>16-04-2024</a:t>
+              <a:t>17-04-2024</a:t>
             </a:fld>
             <a:endParaRPr lang="en-IN" dirty="0"/>
           </a:p>
@@ -2702,7 +2702,7 @@
           <a:p>
             <a:fld id="{6EDC4583-61EB-4E53-8604-F63430C39EC9}" type="datetimeFigureOut">
               <a:rPr lang="en-IN" smtClean="0"/>
-              <a:t>16-04-2024</a:t>
+              <a:t>17-04-2024</a:t>
             </a:fld>
             <a:endParaRPr lang="en-IN" dirty="0"/>
           </a:p>
@@ -2945,7 +2945,7 @@
           <a:p>
             <a:fld id="{6EDC4583-61EB-4E53-8604-F63430C39EC9}" type="datetimeFigureOut">
               <a:rPr lang="en-IN" smtClean="0"/>
-              <a:t>16-04-2024</a:t>
+              <a:t>17-04-2024</a:t>
             </a:fld>
             <a:endParaRPr lang="en-IN" dirty="0"/>
           </a:p>
@@ -3880,6 +3880,21 @@
             <a:r>
               <a:rPr lang="en-US" dirty="0"/>
               <a:t>They are used in scenarios where one thread needs to wait for a specific condition to be met before proceeding, and another thread needs to notify the waiting thread when that condition is satisfied.</a:t>
+            </a:r>
+          </a:p>
+          <a:p>
+            <a:r>
+              <a:rPr lang="en-US" b="0" i="0" dirty="0">
+                <a:solidFill>
+                  <a:srgbClr val="BDC1C6"/>
+                </a:solidFill>
+                <a:effectLst/>
+                <a:highlight>
+                  <a:srgbClr val="202124"/>
+                </a:highlight>
+                <a:latin typeface="Google Sans"/>
+              </a:rPr>
+              <a:t>The major difference is to wait to release the lock or monitor while sleep doesn't release any lock or monitor while waiting. Wait is used for inter-thread communication while sleep is used to introduce pause on execution</a:t>
             </a:r>
             <a:endParaRPr lang="en-IN" dirty="0"/>
           </a:p>
